--- a/Powerpoint/Module04-HandlingErrors.pptx
+++ b/Powerpoint/Module04-HandlingErrors.pptx
@@ -111,6 +111,22 @@
       </a:defRPr>
     </a:lvl9pPr>
   </p:defaultTextStyle>
+  <p:extLst>
+    <p:ext uri="{EFAFB233-063F-42B5-8137-9DF3F51BA10A}">
+      <p15:sldGuideLst xmlns:p15="http://schemas.microsoft.com/office/powerpoint/2012/main">
+        <p15:guide id="1" orient="horz" pos="2160">
+          <p15:clr>
+            <a:srgbClr val="A4A3A4"/>
+          </p15:clr>
+        </p15:guide>
+        <p15:guide id="2" pos="2880">
+          <p15:clr>
+            <a:srgbClr val="A4A3A4"/>
+          </p15:clr>
+        </p15:guide>
+      </p15:sldGuideLst>
+    </p:ext>
+  </p:extLst>
 </p:presentation>
 </file>
 
@@ -158,7 +174,7 @@
           </a:lstStyle>
           <a:p>
             <a:r>
-              <a:rPr lang="en-US" smtClean="0"/>
+              <a:rPr lang="en-US"/>
               <a:t>Click to edit Master title style</a:t>
             </a:r>
             <a:endParaRPr lang="en-US" dirty="0"/>
@@ -278,7 +294,7 @@
           </a:lstStyle>
           <a:p>
             <a:r>
-              <a:rPr lang="en-US" smtClean="0"/>
+              <a:rPr lang="en-US"/>
               <a:t>Click to edit Master subtitle style</a:t>
             </a:r>
             <a:endParaRPr lang="en-US" dirty="0"/>
@@ -391,10 +407,9 @@
           <a:lstStyle/>
           <a:p>
             <a:r>
-              <a:rPr lang="en-US" smtClean="0"/>
+              <a:rPr lang="en-US"/>
               <a:t>Click to edit Master title style</a:t>
             </a:r>
-            <a:endParaRPr lang="en-US"/>
           </a:p>
         </p:txBody>
       </p:sp>
@@ -415,38 +430,37 @@
           <a:p>
             <a:pPr lvl="0"/>
             <a:r>
-              <a:rPr lang="en-US" smtClean="0"/>
+              <a:rPr lang="en-US"/>
               <a:t>Click to edit Master text styles</a:t>
             </a:r>
           </a:p>
           <a:p>
             <a:pPr lvl="1"/>
             <a:r>
-              <a:rPr lang="en-US" smtClean="0"/>
+              <a:rPr lang="en-US"/>
               <a:t>Second level</a:t>
             </a:r>
           </a:p>
           <a:p>
             <a:pPr lvl="2"/>
             <a:r>
-              <a:rPr lang="en-US" smtClean="0"/>
+              <a:rPr lang="en-US"/>
               <a:t>Third level</a:t>
             </a:r>
           </a:p>
           <a:p>
             <a:pPr lvl="3"/>
             <a:r>
-              <a:rPr lang="en-US" smtClean="0"/>
+              <a:rPr lang="en-US"/>
               <a:t>Fourth level</a:t>
             </a:r>
           </a:p>
           <a:p>
             <a:pPr lvl="4"/>
             <a:r>
-              <a:rPr lang="en-US" smtClean="0"/>
+              <a:rPr lang="en-US"/>
               <a:t>Fifth level</a:t>
             </a:r>
-            <a:endParaRPr lang="en-US"/>
           </a:p>
         </p:txBody>
       </p:sp>
@@ -484,10 +498,9 @@
           </a:lstStyle>
           <a:p>
             <a:r>
-              <a:rPr lang="en-US" dirty="0" smtClean="0"/>
+              <a:rPr lang="en-US" dirty="0"/>
               <a:t>©Concentrated Technology</a:t>
             </a:r>
-            <a:endParaRPr lang="en-US" dirty="0"/>
           </a:p>
         </p:txBody>
       </p:sp>
@@ -548,7 +561,7 @@
           </a:lstStyle>
           <a:p>
             <a:r>
-              <a:rPr lang="en-US" smtClean="0"/>
+              <a:rPr lang="en-US"/>
               <a:t>Click to edit Master title style</a:t>
             </a:r>
             <a:endParaRPr lang="en-US" dirty="0"/>
@@ -668,7 +681,7 @@
           <a:p>
             <a:pPr lvl="0"/>
             <a:r>
-              <a:rPr lang="en-US" smtClean="0"/>
+              <a:rPr lang="en-US"/>
               <a:t>Click to edit Master text styles</a:t>
             </a:r>
           </a:p>
@@ -743,10 +756,9 @@
           </a:lstStyle>
           <a:p>
             <a:r>
-              <a:rPr lang="en-US" dirty="0" smtClean="0"/>
+              <a:rPr lang="en-US" dirty="0"/>
               <a:t>©Concentrated Technology</a:t>
             </a:r>
-            <a:endParaRPr lang="en-US" dirty="0"/>
           </a:p>
         </p:txBody>
       </p:sp>
@@ -791,10 +803,9 @@
           <a:lstStyle/>
           <a:p>
             <a:r>
-              <a:rPr lang="en-US" smtClean="0"/>
+              <a:rPr lang="en-US"/>
               <a:t>Click to edit Master title style</a:t>
             </a:r>
-            <a:endParaRPr lang="en-US"/>
           </a:p>
         </p:txBody>
       </p:sp>
@@ -848,35 +859,35 @@
           <a:p>
             <a:pPr lvl="0"/>
             <a:r>
-              <a:rPr lang="en-US" smtClean="0"/>
+              <a:rPr lang="en-US"/>
               <a:t>Click to edit Master text styles</a:t>
             </a:r>
           </a:p>
           <a:p>
             <a:pPr lvl="1"/>
             <a:r>
-              <a:rPr lang="en-US" smtClean="0"/>
+              <a:rPr lang="en-US"/>
               <a:t>Second level</a:t>
             </a:r>
           </a:p>
           <a:p>
             <a:pPr lvl="2"/>
             <a:r>
-              <a:rPr lang="en-US" smtClean="0"/>
+              <a:rPr lang="en-US"/>
               <a:t>Third level</a:t>
             </a:r>
           </a:p>
           <a:p>
             <a:pPr lvl="3"/>
             <a:r>
-              <a:rPr lang="en-US" smtClean="0"/>
+              <a:rPr lang="en-US"/>
               <a:t>Fourth level</a:t>
             </a:r>
           </a:p>
           <a:p>
             <a:pPr lvl="4"/>
             <a:r>
-              <a:rPr lang="en-US" smtClean="0"/>
+              <a:rPr lang="en-US"/>
               <a:t>Fifth level</a:t>
             </a:r>
             <a:endParaRPr lang="en-US" dirty="0"/>
@@ -933,35 +944,35 @@
           <a:p>
             <a:pPr lvl="0"/>
             <a:r>
-              <a:rPr lang="en-US" smtClean="0"/>
+              <a:rPr lang="en-US"/>
               <a:t>Click to edit Master text styles</a:t>
             </a:r>
           </a:p>
           <a:p>
             <a:pPr lvl="1"/>
             <a:r>
-              <a:rPr lang="en-US" smtClean="0"/>
+              <a:rPr lang="en-US"/>
               <a:t>Second level</a:t>
             </a:r>
           </a:p>
           <a:p>
             <a:pPr lvl="2"/>
             <a:r>
-              <a:rPr lang="en-US" smtClean="0"/>
+              <a:rPr lang="en-US"/>
               <a:t>Third level</a:t>
             </a:r>
           </a:p>
           <a:p>
             <a:pPr lvl="3"/>
             <a:r>
-              <a:rPr lang="en-US" smtClean="0"/>
+              <a:rPr lang="en-US"/>
               <a:t>Fourth level</a:t>
             </a:r>
           </a:p>
           <a:p>
             <a:pPr lvl="4"/>
             <a:r>
-              <a:rPr lang="en-US" smtClean="0"/>
+              <a:rPr lang="en-US"/>
               <a:t>Fifth level</a:t>
             </a:r>
             <a:endParaRPr lang="en-US" dirty="0"/>
@@ -1002,10 +1013,9 @@
           </a:lstStyle>
           <a:p>
             <a:r>
-              <a:rPr lang="en-US" dirty="0" smtClean="0"/>
+              <a:rPr lang="en-US" dirty="0"/>
               <a:t>©Concentrated Technology</a:t>
             </a:r>
-            <a:endParaRPr lang="en-US" dirty="0"/>
           </a:p>
         </p:txBody>
       </p:sp>
@@ -1054,7 +1064,7 @@
           </a:lstStyle>
           <a:p>
             <a:r>
-              <a:rPr lang="en-US" smtClean="0"/>
+              <a:rPr lang="en-US"/>
               <a:t>Click to edit Master title style</a:t>
             </a:r>
             <a:endParaRPr lang="en-US" dirty="0"/>
@@ -1143,7 +1153,7 @@
           <a:p>
             <a:pPr lvl="0"/>
             <a:r>
-              <a:rPr lang="en-US" smtClean="0"/>
+              <a:rPr lang="en-US"/>
               <a:t>Click to edit Master text styles</a:t>
             </a:r>
           </a:p>
@@ -1199,35 +1209,35 @@
           <a:p>
             <a:pPr lvl="0"/>
             <a:r>
-              <a:rPr lang="en-US" smtClean="0"/>
+              <a:rPr lang="en-US"/>
               <a:t>Click to edit Master text styles</a:t>
             </a:r>
           </a:p>
           <a:p>
             <a:pPr lvl="1"/>
             <a:r>
-              <a:rPr lang="en-US" smtClean="0"/>
+              <a:rPr lang="en-US"/>
               <a:t>Second level</a:t>
             </a:r>
           </a:p>
           <a:p>
             <a:pPr lvl="2"/>
             <a:r>
-              <a:rPr lang="en-US" smtClean="0"/>
+              <a:rPr lang="en-US"/>
               <a:t>Third level</a:t>
             </a:r>
           </a:p>
           <a:p>
             <a:pPr lvl="3"/>
             <a:r>
-              <a:rPr lang="en-US" smtClean="0"/>
+              <a:rPr lang="en-US"/>
               <a:t>Fourth level</a:t>
             </a:r>
           </a:p>
           <a:p>
             <a:pPr lvl="4"/>
             <a:r>
-              <a:rPr lang="en-US" smtClean="0"/>
+              <a:rPr lang="en-US"/>
               <a:t>Fifth level</a:t>
             </a:r>
             <a:endParaRPr lang="en-US" dirty="0"/>
@@ -1319,7 +1329,7 @@
           <a:p>
             <a:pPr lvl="0"/>
             <a:r>
-              <a:rPr lang="en-US" smtClean="0"/>
+              <a:rPr lang="en-US"/>
               <a:t>Click to edit Master text styles</a:t>
             </a:r>
           </a:p>
@@ -1375,35 +1385,35 @@
           <a:p>
             <a:pPr lvl="0"/>
             <a:r>
-              <a:rPr lang="en-US" smtClean="0"/>
+              <a:rPr lang="en-US"/>
               <a:t>Click to edit Master text styles</a:t>
             </a:r>
           </a:p>
           <a:p>
             <a:pPr lvl="1"/>
             <a:r>
-              <a:rPr lang="en-US" smtClean="0"/>
+              <a:rPr lang="en-US"/>
               <a:t>Second level</a:t>
             </a:r>
           </a:p>
           <a:p>
             <a:pPr lvl="2"/>
             <a:r>
-              <a:rPr lang="en-US" smtClean="0"/>
+              <a:rPr lang="en-US"/>
               <a:t>Third level</a:t>
             </a:r>
           </a:p>
           <a:p>
             <a:pPr lvl="3"/>
             <a:r>
-              <a:rPr lang="en-US" smtClean="0"/>
+              <a:rPr lang="en-US"/>
               <a:t>Fourth level</a:t>
             </a:r>
           </a:p>
           <a:p>
             <a:pPr lvl="4"/>
             <a:r>
-              <a:rPr lang="en-US" smtClean="0"/>
+              <a:rPr lang="en-US"/>
               <a:t>Fifth level</a:t>
             </a:r>
             <a:endParaRPr lang="en-US" dirty="0"/>
@@ -1479,10 +1489,9 @@
           </a:lstStyle>
           <a:p>
             <a:r>
-              <a:rPr lang="en-US" dirty="0" smtClean="0"/>
+              <a:rPr lang="en-US" dirty="0"/>
               <a:t>©Concentrated Technology</a:t>
             </a:r>
-            <a:endParaRPr lang="en-US" dirty="0"/>
           </a:p>
         </p:txBody>
       </p:sp>
@@ -1527,10 +1536,9 @@
           <a:lstStyle/>
           <a:p>
             <a:r>
-              <a:rPr lang="en-US" smtClean="0"/>
+              <a:rPr lang="en-US"/>
               <a:t>Click to edit Master title style</a:t>
             </a:r>
-            <a:endParaRPr lang="en-US"/>
           </a:p>
         </p:txBody>
       </p:sp>
@@ -1568,10 +1576,9 @@
           </a:lstStyle>
           <a:p>
             <a:r>
-              <a:rPr lang="en-US" dirty="0" smtClean="0"/>
+              <a:rPr lang="en-US" dirty="0"/>
               <a:t>©Concentrated Technology</a:t>
             </a:r>
-            <a:endParaRPr lang="en-US" dirty="0"/>
           </a:p>
         </p:txBody>
       </p:sp>
@@ -1652,7 +1659,7 @@
           </a:lstStyle>
           <a:p>
             <a:r>
-              <a:rPr lang="en-US" smtClean="0"/>
+              <a:rPr lang="en-US"/>
               <a:t>Click to edit Master title style</a:t>
             </a:r>
             <a:endParaRPr lang="en-US" dirty="0"/>
@@ -1709,35 +1716,35 @@
           <a:p>
             <a:pPr lvl="0"/>
             <a:r>
-              <a:rPr lang="en-US" smtClean="0"/>
+              <a:rPr lang="en-US"/>
               <a:t>Click to edit Master text styles</a:t>
             </a:r>
           </a:p>
           <a:p>
             <a:pPr lvl="1"/>
             <a:r>
-              <a:rPr lang="en-US" smtClean="0"/>
+              <a:rPr lang="en-US"/>
               <a:t>Second level</a:t>
             </a:r>
           </a:p>
           <a:p>
             <a:pPr lvl="2"/>
             <a:r>
-              <a:rPr lang="en-US" smtClean="0"/>
+              <a:rPr lang="en-US"/>
               <a:t>Third level</a:t>
             </a:r>
           </a:p>
           <a:p>
             <a:pPr lvl="3"/>
             <a:r>
-              <a:rPr lang="en-US" smtClean="0"/>
+              <a:rPr lang="en-US"/>
               <a:t>Fourth level</a:t>
             </a:r>
           </a:p>
           <a:p>
             <a:pPr lvl="4"/>
             <a:r>
-              <a:rPr lang="en-US" smtClean="0"/>
+              <a:rPr lang="en-US"/>
               <a:t>Fifth level</a:t>
             </a:r>
             <a:endParaRPr lang="en-US" dirty="0"/>
@@ -1803,7 +1810,7 @@
           <a:p>
             <a:pPr lvl="0"/>
             <a:r>
-              <a:rPr lang="en-US" smtClean="0"/>
+              <a:rPr lang="en-US"/>
               <a:t>Click to edit Master text styles</a:t>
             </a:r>
           </a:p>
@@ -1878,10 +1885,9 @@
           </a:lstStyle>
           <a:p>
             <a:r>
-              <a:rPr lang="en-US" dirty="0" smtClean="0"/>
+              <a:rPr lang="en-US" dirty="0"/>
               <a:t>©Concentrated Technology</a:t>
             </a:r>
-            <a:endParaRPr lang="en-US" dirty="0"/>
           </a:p>
         </p:txBody>
       </p:sp>
@@ -1937,7 +1943,7 @@
           </a:lstStyle>
           <a:p>
             <a:r>
-              <a:rPr lang="en-US" smtClean="0"/>
+              <a:rPr lang="en-US"/>
               <a:t>Click to edit Master title style</a:t>
             </a:r>
             <a:endParaRPr lang="en-US" dirty="0"/>
@@ -2018,7 +2024,7 @@
           </a:lstStyle>
           <a:p>
             <a:r>
-              <a:rPr lang="en-US" smtClean="0"/>
+              <a:rPr lang="en-US"/>
               <a:t>Drag picture to placeholder or click icon to add</a:t>
             </a:r>
             <a:endParaRPr lang="en-US" dirty="0"/>
@@ -2084,7 +2090,7 @@
           <a:p>
             <a:pPr lvl="0"/>
             <a:r>
-              <a:rPr lang="en-US" smtClean="0"/>
+              <a:rPr lang="en-US"/>
               <a:t>Click to edit Master text styles</a:t>
             </a:r>
           </a:p>
@@ -2124,10 +2130,9 @@
           </a:lstStyle>
           <a:p>
             <a:r>
-              <a:rPr lang="en-US" dirty="0" smtClean="0"/>
+              <a:rPr lang="en-US" dirty="0"/>
               <a:t>©Concentrated Technology</a:t>
             </a:r>
-            <a:endParaRPr lang="en-US" dirty="0"/>
           </a:p>
         </p:txBody>
       </p:sp>
@@ -2233,7 +2238,7 @@
           <a:lstStyle/>
           <a:p>
             <a:r>
-              <a:rPr lang="en-US" smtClean="0"/>
+              <a:rPr lang="en-US"/>
               <a:t>Click to edit Master title style</a:t>
             </a:r>
             <a:endParaRPr lang="en-US" dirty="0"/>
@@ -2267,35 +2272,35 @@
           <a:p>
             <a:pPr lvl="0"/>
             <a:r>
-              <a:rPr lang="en-US" smtClean="0"/>
+              <a:rPr lang="en-US"/>
               <a:t>Click to edit Master text styles</a:t>
             </a:r>
           </a:p>
           <a:p>
             <a:pPr lvl="1"/>
             <a:r>
-              <a:rPr lang="en-US" smtClean="0"/>
+              <a:rPr lang="en-US"/>
               <a:t>Second level</a:t>
             </a:r>
           </a:p>
           <a:p>
             <a:pPr lvl="2"/>
             <a:r>
-              <a:rPr lang="en-US" smtClean="0"/>
+              <a:rPr lang="en-US"/>
               <a:t>Third level</a:t>
             </a:r>
           </a:p>
           <a:p>
             <a:pPr lvl="3"/>
             <a:r>
-              <a:rPr lang="en-US" smtClean="0"/>
+              <a:rPr lang="en-US"/>
               <a:t>Fourth level</a:t>
             </a:r>
           </a:p>
           <a:p>
             <a:pPr lvl="4"/>
             <a:r>
-              <a:rPr lang="en-US" smtClean="0"/>
+              <a:rPr lang="en-US"/>
               <a:t>Fifth level</a:t>
             </a:r>
             <a:endParaRPr lang="en-US" dirty="0"/>
@@ -2382,10 +2387,9 @@
           </a:lstStyle>
           <a:p>
             <a:r>
-              <a:rPr lang="en-US" dirty="0" smtClean="0"/>
+              <a:rPr lang="en-US" dirty="0"/>
               <a:t>©Concentrated Technology</a:t>
             </a:r>
-            <a:endParaRPr lang="en-US" dirty="0"/>
           </a:p>
         </p:txBody>
       </p:sp>
@@ -2725,10 +2729,9 @@
           <a:lstStyle/>
           <a:p>
             <a:r>
-              <a:rPr lang="en-US" dirty="0" smtClean="0"/>
+              <a:rPr lang="en-US" dirty="0"/>
               <a:t>Handling Errors</a:t>
             </a:r>
-            <a:endParaRPr lang="en-US" dirty="0"/>
           </a:p>
         </p:txBody>
       </p:sp>
@@ -2753,10 +2756,9 @@
           <a:lstStyle/>
           <a:p>
             <a:r>
-              <a:rPr lang="en-US" dirty="0" smtClean="0"/>
+              <a:rPr lang="en-US" dirty="0"/>
               <a:t>Module 04</a:t>
             </a:r>
-            <a:endParaRPr lang="en-US" dirty="0"/>
           </a:p>
         </p:txBody>
       </p:sp>
@@ -2806,10 +2808,9 @@
           <a:lstStyle/>
           <a:p>
             <a:r>
-              <a:rPr lang="en-US" dirty="0" smtClean="0"/>
+              <a:rPr lang="en-US" dirty="0"/>
               <a:t>Designing Error Handling</a:t>
             </a:r>
-            <a:endParaRPr lang="en-US" dirty="0"/>
           </a:p>
         </p:txBody>
       </p:sp>
@@ -2829,10 +2830,9 @@
           <a:lstStyle/>
           <a:p>
             <a:r>
-              <a:rPr lang="en-US" dirty="0" smtClean="0"/>
+              <a:rPr lang="en-US" dirty="0"/>
               <a:t>Lesson 1</a:t>
             </a:r>
-            <a:endParaRPr lang="en-US" dirty="0"/>
           </a:p>
         </p:txBody>
       </p:sp>
@@ -2882,11 +2882,11 @@
           <a:lstStyle/>
           <a:p>
             <a:r>
-              <a:rPr lang="en-US" dirty="0" smtClean="0"/>
+              <a:rPr lang="en-US" dirty="0"/>
               <a:t>$</a:t>
             </a:r>
             <a:r>
-              <a:rPr lang="en-US" dirty="0" err="1" smtClean="0"/>
+              <a:rPr lang="en-US" dirty="0" err="1"/>
               <a:t>ErrorActionPreference</a:t>
             </a:r>
             <a:endParaRPr lang="en-US" dirty="0"/>
@@ -2910,95 +2910,55 @@
           <a:p>
             <a:r>
               <a:rPr lang="en-US" dirty="0"/>
-              <a:t>Whenever a PowerShell </a:t>
-            </a:r>
-            <a:r>
-              <a:rPr lang="en-US" dirty="0" smtClean="0"/>
-              <a:t>command encounters </a:t>
+              <a:t>Whenever a PowerShell command encounters a non-terminating error, it checks a built-in variable $</a:t>
+            </a:r>
+            <a:r>
+              <a:rPr lang="en-US" dirty="0" err="1"/>
+              <a:t>ErrorActionPreference</a:t>
             </a:r>
             <a:r>
               <a:rPr lang="en-US" dirty="0"/>
-              <a:t>a non-terminating error, it </a:t>
-            </a:r>
-            <a:r>
-              <a:rPr lang="en-US" dirty="0" smtClean="0"/>
-              <a:t>checks a </a:t>
+              <a:t>.</a:t>
+            </a:r>
+          </a:p>
+          <a:p>
+            <a:r>
+              <a:rPr lang="en-US" b="1" dirty="0"/>
+              <a:t>Continue</a:t>
             </a:r>
             <a:r>
               <a:rPr lang="en-US" dirty="0"/>
-              <a:t>built-in </a:t>
-            </a:r>
-            <a:r>
-              <a:rPr lang="en-US" dirty="0" smtClean="0"/>
-              <a:t>variable $</a:t>
-            </a:r>
-            <a:r>
-              <a:rPr lang="en-US" dirty="0" err="1" smtClean="0"/>
-              <a:t>ErrorActionPreference</a:t>
-            </a:r>
-            <a:r>
-              <a:rPr lang="en-US" dirty="0" smtClean="0"/>
-              <a:t>.</a:t>
-            </a:r>
-          </a:p>
-          <a:p>
-            <a:r>
-              <a:rPr lang="en-US" b="1" dirty="0" smtClean="0"/>
-              <a:t>Continue</a:t>
-            </a:r>
-            <a:r>
-              <a:rPr lang="en-US" dirty="0" smtClean="0"/>
-              <a:t> - This </a:t>
+              <a:t> - This is the default. Displays the error and keeps running. </a:t>
+            </a:r>
+          </a:p>
+          <a:p>
+            <a:r>
+              <a:rPr lang="en-US" b="1" dirty="0" err="1"/>
+              <a:t>SilentlyContinue</a:t>
             </a:r>
             <a:r>
               <a:rPr lang="en-US" dirty="0"/>
-              <a:t>is the </a:t>
-            </a:r>
-            <a:r>
-              <a:rPr lang="en-US" dirty="0" smtClean="0"/>
-              <a:t>default. Displays the error and keeps running. </a:t>
-            </a:r>
-          </a:p>
-          <a:p>
-            <a:r>
-              <a:rPr lang="en-US" b="1" dirty="0" err="1" smtClean="0"/>
-              <a:t>SilentlyContinue</a:t>
+              <a:t> – Keeps running however does not display an error.</a:t>
+            </a:r>
+          </a:p>
+          <a:p>
+            <a:r>
+              <a:rPr lang="en-US" b="1" dirty="0"/>
+              <a:t>Stop</a:t>
             </a:r>
             <a:r>
               <a:rPr lang="en-US" dirty="0"/>
-              <a:t> </a:t>
-            </a:r>
-            <a:r>
-              <a:rPr lang="en-US" dirty="0" smtClean="0"/>
-              <a:t>– Keeps running however does not display an error.</a:t>
-            </a:r>
-          </a:p>
-          <a:p>
-            <a:r>
-              <a:rPr lang="en-US" b="1" dirty="0" smtClean="0"/>
-              <a:t>Stop</a:t>
+              <a:t> – Displays an error and stops executing.</a:t>
+            </a:r>
+          </a:p>
+          <a:p>
+            <a:r>
+              <a:rPr lang="en-US" b="1" dirty="0"/>
+              <a:t>Inquire</a:t>
             </a:r>
             <a:r>
               <a:rPr lang="en-US" dirty="0"/>
-              <a:t> </a:t>
-            </a:r>
-            <a:r>
-              <a:rPr lang="en-US" dirty="0" smtClean="0"/>
-              <a:t>– Displays an error and stops executing.</a:t>
-            </a:r>
-          </a:p>
-          <a:p>
-            <a:r>
-              <a:rPr lang="en-US" b="1" dirty="0" smtClean="0"/>
-              <a:t>Inquire</a:t>
-            </a:r>
-            <a:r>
-              <a:rPr lang="en-US" dirty="0"/>
-              <a:t> </a:t>
-            </a:r>
-            <a:r>
-              <a:rPr lang="en-US" dirty="0" smtClean="0"/>
-              <a:t>– Prompts you what action to take.</a:t>
+              <a:t> – Prompts you what action to take.</a:t>
             </a:r>
           </a:p>
         </p:txBody>
@@ -3079,10 +3039,9 @@
           <a:lstStyle/>
           <a:p>
             <a:r>
-              <a:rPr lang="en-US" dirty="0" smtClean="0"/>
+              <a:rPr lang="en-US" dirty="0"/>
               <a:t>Setting the error action &amp; variable</a:t>
             </a:r>
-            <a:endParaRPr lang="en-US" dirty="0"/>
           </a:p>
         </p:txBody>
       </p:sp>
@@ -3109,52 +3068,31 @@
           <a:lstStyle/>
           <a:p>
             <a:r>
-              <a:rPr lang="en-US" dirty="0" smtClean="0"/>
-              <a:t> </a:t>
-            </a:r>
+              <a:rPr lang="en-US" dirty="0"/>
+              <a:t> –</a:t>
+            </a:r>
+            <a:r>
+              <a:rPr lang="en-US" dirty="0" err="1"/>
+              <a:t>ErrorAction</a:t>
+            </a:r>
+            <a:r>
+              <a:rPr lang="en-US" dirty="0"/>
+              <a:t>, which can be abbreviated as –EA.</a:t>
+            </a:r>
+          </a:p>
+          <a:p>
             <a:r>
               <a:rPr lang="en-US" dirty="0"/>
               <a:t>–</a:t>
             </a:r>
             <a:r>
               <a:rPr lang="en-US" dirty="0" err="1"/>
-              <a:t>ErrorAction</a:t>
+              <a:t>ErrorVariable</a:t>
             </a:r>
             <a:r>
               <a:rPr lang="en-US" dirty="0"/>
-              <a:t>, which can be abbreviated as –</a:t>
-            </a:r>
-            <a:r>
-              <a:rPr lang="en-US" dirty="0" smtClean="0"/>
-              <a:t>EA.</a:t>
-            </a:r>
-          </a:p>
-          <a:p>
-            <a:r>
-              <a:rPr lang="en-US" dirty="0"/>
-              <a:t>–</a:t>
-            </a:r>
-            <a:r>
-              <a:rPr lang="en-US" dirty="0" err="1"/>
-              <a:t>ErrorVariable</a:t>
-            </a:r>
-            <a:r>
-              <a:rPr lang="en-US" dirty="0"/>
-              <a:t>, </a:t>
-            </a:r>
-            <a:r>
-              <a:rPr lang="en-US" dirty="0" smtClean="0"/>
-              <a:t>which can be abbreviated as </a:t>
-            </a:r>
-            <a:r>
-              <a:rPr lang="en-US" dirty="0"/>
-              <a:t>–EV. </a:t>
-            </a:r>
-            <a:r>
-              <a:rPr lang="en-US" dirty="0" smtClean="0"/>
-              <a:t> </a:t>
-            </a:r>
-            <a:endParaRPr lang="en-US" dirty="0"/>
+              <a:t>, which can be abbreviated as –EV.  </a:t>
+            </a:r>
           </a:p>
         </p:txBody>
       </p:sp>
@@ -3274,10 +3212,9 @@
           <a:lstStyle/>
           <a:p>
             <a:r>
-              <a:rPr lang="en-US" dirty="0" smtClean="0"/>
+              <a:rPr lang="en-US" dirty="0"/>
               <a:t>Try…Catch…Finally</a:t>
             </a:r>
-            <a:endParaRPr lang="en-US" dirty="0"/>
           </a:p>
         </p:txBody>
       </p:sp>
@@ -3424,10 +3361,9 @@
           <a:lstStyle/>
           <a:p>
             <a:r>
-              <a:rPr lang="en-US" dirty="0" smtClean="0"/>
+              <a:rPr lang="en-US" dirty="0"/>
               <a:t>Providing some visuals</a:t>
             </a:r>
-            <a:endParaRPr lang="en-US" dirty="0"/>
           </a:p>
         </p:txBody>
       </p:sp>
@@ -3452,16 +3388,8 @@
           <a:lstStyle/>
           <a:p>
             <a:r>
-              <a:rPr lang="en-US" dirty="0" smtClean="0"/>
-              <a:t>Your error </a:t>
-            </a:r>
-            <a:r>
               <a:rPr lang="en-US" dirty="0"/>
-              <a:t>handling </a:t>
-            </a:r>
-            <a:r>
-              <a:rPr lang="en-US" dirty="0" smtClean="0"/>
-              <a:t>should display a user readable error message as in line 9.</a:t>
+              <a:t>Your error handling should display a user readable error message as in line 9.</a:t>
             </a:r>
           </a:p>
         </p:txBody>
@@ -3583,10 +3511,9 @@
           <a:p>
             <a:pPr algn="ctr"/>
             <a:r>
-              <a:rPr lang="en-US" dirty="0" smtClean="0"/>
+              <a:rPr lang="en-US" dirty="0"/>
               <a:t>Lab A</a:t>
             </a:r>
-            <a:endParaRPr lang="en-US" dirty="0"/>
           </a:p>
         </p:txBody>
       </p:sp>
@@ -3632,7 +3559,7 @@
           <a:p>
             <a:pPr algn="ctr"/>
             <a:r>
-              <a:rPr lang="en-US" dirty="0" smtClean="0"/>
+              <a:rPr lang="en-US" dirty="0"/>
               <a:t>60 Minutes</a:t>
             </a:r>
           </a:p>
@@ -3643,21 +3570,21 @@
           <a:p>
             <a:pPr algn="ctr"/>
             <a:r>
-              <a:rPr lang="en-US" b="1" dirty="0" smtClean="0"/>
+              <a:rPr lang="en-US" b="1" dirty="0"/>
               <a:t>CLIENT</a:t>
             </a:r>
           </a:p>
           <a:p>
             <a:pPr algn="ctr"/>
             <a:r>
-              <a:rPr lang="en-US" b="1" dirty="0" smtClean="0"/>
+              <a:rPr lang="en-US" b="1" dirty="0"/>
               <a:t>MEMBER</a:t>
             </a:r>
           </a:p>
           <a:p>
             <a:pPr algn="ctr"/>
             <a:r>
-              <a:rPr lang="en-US" b="1" dirty="0" smtClean="0"/>
+              <a:rPr lang="en-US" b="1" dirty="0"/>
               <a:t>DC</a:t>
             </a:r>
           </a:p>
@@ -3668,17 +3595,16 @@
           <a:p>
             <a:pPr algn="ctr"/>
             <a:r>
-              <a:rPr lang="en-US" b="1" dirty="0" smtClean="0"/>
+              <a:rPr lang="en-US" b="1" dirty="0"/>
               <a:t>Administrator</a:t>
             </a:r>
             <a:br>
-              <a:rPr lang="en-US" b="1" dirty="0" smtClean="0"/>
+              <a:rPr lang="en-US" b="1" dirty="0"/>
             </a:br>
             <a:r>
-              <a:rPr lang="en-US" b="1" dirty="0" smtClean="0"/>
+              <a:rPr lang="en-US" b="1" dirty="0"/>
               <a:t>P@ssw0rd</a:t>
             </a:r>
-            <a:endParaRPr lang="en-US" b="1" dirty="0"/>
           </a:p>
         </p:txBody>
       </p:sp>
@@ -3758,10 +3684,9 @@
           <a:lstStyle/>
           <a:p>
             <a:r>
-              <a:rPr lang="en-US" dirty="0" smtClean="0"/>
+              <a:rPr lang="en-US" dirty="0"/>
               <a:t>Conclusion</a:t>
             </a:r>
-            <a:endParaRPr lang="en-US" dirty="0"/>
           </a:p>
         </p:txBody>
       </p:sp>
@@ -3782,24 +3707,12 @@
           <a:p>
             <a:r>
               <a:rPr lang="en-US" dirty="0"/>
-              <a:t>You’ve </a:t>
-            </a:r>
-            <a:r>
-              <a:rPr lang="en-US" dirty="0" smtClean="0"/>
-              <a:t>learned </a:t>
-            </a:r>
-            <a:r>
-              <a:rPr lang="en-US" dirty="0"/>
-              <a:t>functions to deal with anticipated errors, using standard PowerShell patterns and practices</a:t>
-            </a:r>
-            <a:r>
-              <a:rPr lang="en-US" dirty="0" smtClean="0"/>
-              <a:t>.</a:t>
-            </a:r>
-          </a:p>
-          <a:p>
-            <a:r>
-              <a:rPr lang="en-US" smtClean="0"/>
+              <a:t>You’ve learned functions to deal with anticipated errors, using standard PowerShell patterns and practices.</a:t>
+            </a:r>
+          </a:p>
+          <a:p>
+            <a:r>
+              <a:rPr lang="en-US"/>
               <a:t> </a:t>
             </a:r>
             <a:r>

--- a/Powerpoint/Module04-HandlingErrors.pptx
+++ b/Powerpoint/Module04-HandlingErrors.pptx
@@ -3067,31 +3067,65 @@
           </a:bodyPr>
           <a:lstStyle/>
           <a:p>
+            <a:pPr marL="0" indent="0">
+              <a:buNone/>
+            </a:pPr>
+            <a:r>
+              <a:rPr lang="en-US" dirty="0">
+                <a:latin typeface="Consolas" panose="020B0609020204030204" pitchFamily="49" charset="0"/>
+              </a:rPr>
+              <a:t>–</a:t>
+            </a:r>
+            <a:r>
+              <a:rPr lang="en-US" dirty="0" err="1">
+                <a:latin typeface="Consolas" panose="020B0609020204030204" pitchFamily="49" charset="0"/>
+              </a:rPr>
+              <a:t>ErrorAction</a:t>
+            </a:r>
             <a:r>
               <a:rPr lang="en-US" dirty="0"/>
-              <a:t> –</a:t>
-            </a:r>
-            <a:r>
-              <a:rPr lang="en-US" dirty="0" err="1"/>
-              <a:t>ErrorAction</a:t>
+              <a:t>, which can be abbreviated as </a:t>
+            </a:r>
+            <a:r>
+              <a:rPr lang="en-US" dirty="0">
+                <a:latin typeface="Consolas" panose="020B0609020204030204" pitchFamily="49" charset="0"/>
+              </a:rPr>
+              <a:t>–EA</a:t>
             </a:r>
             <a:r>
               <a:rPr lang="en-US" dirty="0"/>
-              <a:t>, which can be abbreviated as –EA.</a:t>
-            </a:r>
-          </a:p>
-          <a:p>
+              <a:t>.</a:t>
+            </a:r>
+          </a:p>
+          <a:p>
+            <a:pPr marL="0" indent="0">
+              <a:buNone/>
+            </a:pPr>
+            <a:r>
+              <a:rPr lang="en-US" dirty="0">
+                <a:latin typeface="Consolas" panose="020B0609020204030204" pitchFamily="49" charset="0"/>
+              </a:rPr>
+              <a:t>–</a:t>
+            </a:r>
+            <a:r>
+              <a:rPr lang="en-US" dirty="0" err="1">
+                <a:latin typeface="Consolas" panose="020B0609020204030204" pitchFamily="49" charset="0"/>
+              </a:rPr>
+              <a:t>ErrorVariable</a:t>
+            </a:r>
             <a:r>
               <a:rPr lang="en-US" dirty="0"/>
-              <a:t>–</a:t>
-            </a:r>
-            <a:r>
-              <a:rPr lang="en-US" dirty="0" err="1"/>
-              <a:t>ErrorVariable</a:t>
+              <a:t>, which can be abbreviated as </a:t>
+            </a:r>
+            <a:r>
+              <a:rPr lang="en-US" dirty="0">
+                <a:latin typeface="Consolas" panose="020B0609020204030204" pitchFamily="49" charset="0"/>
+              </a:rPr>
+              <a:t>–EV</a:t>
             </a:r>
             <a:r>
               <a:rPr lang="en-US" dirty="0"/>
-              <a:t>, which can be abbreviated as –EV.  </a:t>
+              <a:t>.  </a:t>
             </a:r>
           </a:p>
         </p:txBody>
